--- a/Regression/doc/Presentacion_de_practica_regresion_lineal.pptx
+++ b/Regression/doc/Presentacion_de_practica_regresion_lineal.pptx
@@ -19121,7 +19121,7 @@
       </p:grpSpPr>
       <p:pic>
         <p:nvPicPr>
-          <p:cNvPr id="9" name="Picture 8">
+          <p:cNvPr id="35" name="Picture 23">
             <a:extLst>
               <a:ext uri="{FF2B5EF4-FFF2-40B4-BE49-F238E27FC236}">
                 <a16:creationId xmlns:a16="http://schemas.microsoft.com/office/drawing/2014/main" id="{AF9C2BBD-AAF7-4C85-9BE4-E4C2F52353FF}"/>
@@ -19181,7 +19181,7 @@
       </p:pic>
       <p:pic>
         <p:nvPicPr>
-          <p:cNvPr id="11" name="Picture 10">
+          <p:cNvPr id="36" name="Picture 25">
             <a:extLst>
               <a:ext uri="{FF2B5EF4-FFF2-40B4-BE49-F238E27FC236}">
                 <a16:creationId xmlns:a16="http://schemas.microsoft.com/office/drawing/2014/main" id="{AEEF8B78-E487-4E1A-8945-35B4041B02A3}"/>
@@ -19227,7 +19227,7 @@
       </p:pic>
       <p:sp>
         <p:nvSpPr>
-          <p:cNvPr id="13" name="Rectangle 12">
+          <p:cNvPr id="37" name="Rectangle 27">
             <a:extLst>
               <a:ext uri="{FF2B5EF4-FFF2-40B4-BE49-F238E27FC236}">
                 <a16:creationId xmlns:a16="http://schemas.microsoft.com/office/drawing/2014/main" id="{B9B4F0B3-5A15-4AAD-B054-8BA92098722A}"/>
@@ -19287,7 +19287,7 @@
       </p:sp>
       <p:pic>
         <p:nvPicPr>
-          <p:cNvPr id="15" name="Picture 14">
+          <p:cNvPr id="38" name="Picture 29">
             <a:extLst>
               <a:ext uri="{FF2B5EF4-FFF2-40B4-BE49-F238E27FC236}">
                 <a16:creationId xmlns:a16="http://schemas.microsoft.com/office/drawing/2014/main" id="{CCA43FE3-BC3A-4163-B2D9-721AA0F6F4D9}"/>
@@ -19332,7 +19332,7 @@
       </p:pic>
       <p:sp>
         <p:nvSpPr>
-          <p:cNvPr id="17" name="Rectangle 16">
+          <p:cNvPr id="39" name="Rectangle 31">
             <a:extLst>
               <a:ext uri="{FF2B5EF4-FFF2-40B4-BE49-F238E27FC236}">
                 <a16:creationId xmlns:a16="http://schemas.microsoft.com/office/drawing/2014/main" id="{488AAD42-9F71-4F14-AE1E-C05DCFC60600}"/>
@@ -19426,7 +19426,7 @@
       </p:sp>
       <p:sp>
         <p:nvSpPr>
-          <p:cNvPr id="19" name="Rectangle 18">
+          <p:cNvPr id="34" name="Rectangle 33">
             <a:extLst>
               <a:ext uri="{FF2B5EF4-FFF2-40B4-BE49-F238E27FC236}">
                 <a16:creationId xmlns:a16="http://schemas.microsoft.com/office/drawing/2014/main" id="{61B962C9-BE53-4915-9C0C-B53DCD378DA2}"/>
@@ -19496,37 +19496,32 @@
       </p:sp>
       <p:pic>
         <p:nvPicPr>
-          <p:cNvPr id="4" name="Imagen 3">
-            <a:extLst>
-              <a:ext uri="{FF2B5EF4-FFF2-40B4-BE49-F238E27FC236}">
-                <a16:creationId xmlns:a16="http://schemas.microsoft.com/office/drawing/2014/main" id="{CFCF7BBE-F3E6-4FE3-A938-3B94B5A37F83}"/>
-              </a:ext>
-            </a:extLst>
-          </p:cNvPr>
-          <p:cNvPicPr/>
+          <p:cNvPr id="5" name="Imagen 4" descr="Gráfico&#10;&#10;Descripción generada automáticamente con confianza baja">
+            <a:extLst>
+              <a:ext uri="{FF2B5EF4-FFF2-40B4-BE49-F238E27FC236}">
+                <a16:creationId xmlns:a16="http://schemas.microsoft.com/office/drawing/2014/main" id="{8AEEE47B-BA0B-4EE9-B23A-455727BEFDE0}"/>
+              </a:ext>
+            </a:extLst>
+          </p:cNvPr>
+          <p:cNvPicPr>
+            <a:picLocks noChangeAspect="1"/>
+          </p:cNvPicPr>
           <p:nvPr/>
         </p:nvPicPr>
         <p:blipFill>
-          <a:blip r:embed="rId4">
-            <a:extLst>
-              <a:ext uri="{28A0092B-C50C-407E-A947-70E740481C1C}">
-                <a14:useLocalDpi xmlns:a14="http://schemas.microsoft.com/office/drawing/2010/main" val="0"/>
-              </a:ext>
-            </a:extLst>
-          </a:blip>
+          <a:blip r:embed="rId4"/>
           <a:stretch>
             <a:fillRect/>
           </a:stretch>
         </p:blipFill>
-        <p:spPr bwMode="auto">
-          <a:xfrm>
-            <a:off x="5270619" y="1369702"/>
-            <a:ext cx="5952615" cy="4118596"/>
-          </a:xfrm>
-          <a:prstGeom prst="rect">
-            <a:avLst/>
-          </a:prstGeom>
-          <a:noFill/>
+        <p:spPr>
+          <a:xfrm>
+            <a:off x="5593085" y="1553871"/>
+            <a:ext cx="5629268" cy="3743463"/>
+          </a:xfrm>
+          <a:prstGeom prst="rect">
+            <a:avLst/>
+          </a:prstGeom>
           <a:ln>
             <a:noFill/>
           </a:ln>
